--- a/exemplo PowerPoint.pptx
+++ b/exemplo PowerPoint.pptx
@@ -6876,7 +6876,7 @@
         <p:spPr>
           <a:xfrm>
             <a:off x="0" y="1883229"/>
-            <a:ext cx="12192000" cy="1015663"/>
+            <a:ext cx="12192000" cy="1420325"/>
           </a:xfrm>
           <a:prstGeom prst="rect">
             <a:avLst/>
@@ -6890,6 +6890,9 @@
           <a:lstStyle/>
           <a:p>
             <a:pPr marL="342900" indent="-342900">
+              <a:lnSpc>
+                <a:spcPct val="150000"/>
+              </a:lnSpc>
               <a:buFont typeface="Wingdings" panose="05000000000000000000" pitchFamily="2" charset="2"/>
               <a:buChar char="ü"/>
             </a:pPr>
@@ -6903,6 +6906,9 @@
           </a:p>
           <a:p>
             <a:pPr marL="342900" indent="-342900">
+              <a:lnSpc>
+                <a:spcPct val="150000"/>
+              </a:lnSpc>
               <a:buFont typeface="Wingdings" panose="05000000000000000000" pitchFamily="2" charset="2"/>
               <a:buChar char="ü"/>
             </a:pPr>
@@ -6916,6 +6922,9 @@
           </a:p>
           <a:p>
             <a:pPr marL="342900" indent="-342900">
+              <a:lnSpc>
+                <a:spcPct val="150000"/>
+              </a:lnSpc>
               <a:buFont typeface="Wingdings" panose="05000000000000000000" pitchFamily="2" charset="2"/>
               <a:buChar char="ü"/>
             </a:pPr>
@@ -7297,14 +7306,58 @@
                             </p:stCondLst>
                             <p:childTnLst>
                               <p:par>
-                                <p:cTn id="9" presetID="2" presetClass="entr" presetSubtype="4" fill="hold" grpId="0" nodeType="clickEffect">
+                                <p:cTn id="9" presetID="26" presetClass="emph" presetSubtype="0" fill="hold" nodeType="clickEffect">
+                                  <p:stCondLst>
+                                    <p:cond delay="0"/>
+                                  </p:stCondLst>
+                                  <p:childTnLst>
+                                    <p:animEffect transition="out" filter="fade">
+                                      <p:cBhvr>
+                                        <p:cTn id="10" dur="500" tmFilter="0, 0; .2, .5; .8, .5; 1, 0"/>
+                                        <p:tgtEl>
+                                          <p:spTgt spid="4"/>
+                                        </p:tgtEl>
+                                      </p:cBhvr>
+                                    </p:animEffect>
+                                    <p:animScale>
+                                      <p:cBhvr>
+                                        <p:cTn id="11" dur="250" autoRev="1" fill="hold"/>
+                                        <p:tgtEl>
+                                          <p:spTgt spid="4"/>
+                                        </p:tgtEl>
+                                      </p:cBhvr>
+                                      <p:by x="105000" y="105000"/>
+                                    </p:animScale>
+                                  </p:childTnLst>
+                                </p:cTn>
+                              </p:par>
+                            </p:childTnLst>
+                          </p:cTn>
+                        </p:par>
+                      </p:childTnLst>
+                    </p:cTn>
+                  </p:par>
+                  <p:par>
+                    <p:cTn id="12" fill="hold">
+                      <p:stCondLst>
+                        <p:cond delay="indefinite"/>
+                      </p:stCondLst>
+                      <p:childTnLst>
+                        <p:par>
+                          <p:cTn id="13" fill="hold">
+                            <p:stCondLst>
+                              <p:cond delay="0"/>
+                            </p:stCondLst>
+                            <p:childTnLst>
+                              <p:par>
+                                <p:cTn id="14" presetID="2" presetClass="entr" presetSubtype="4" fill="hold" grpId="0" nodeType="clickEffect">
                                   <p:stCondLst>
                                     <p:cond delay="0"/>
                                   </p:stCondLst>
                                   <p:childTnLst>
                                     <p:set>
                                       <p:cBhvr>
-                                        <p:cTn id="10" dur="1" fill="hold">
+                                        <p:cTn id="15" dur="1" fill="hold">
                                           <p:stCondLst>
                                             <p:cond delay="0"/>
                                           </p:stCondLst>
@@ -7322,7 +7375,7 @@
                                     </p:set>
                                     <p:anim calcmode="lin" valueType="num">
                                       <p:cBhvr additive="base">
-                                        <p:cTn id="11" dur="500" fill="hold"/>
+                                        <p:cTn id="16" dur="500" fill="hold"/>
                                         <p:tgtEl>
                                           <p:spTgt spid="3"/>
                                         </p:tgtEl>
@@ -7345,7 +7398,7 @@
                                     </p:anim>
                                     <p:anim calcmode="lin" valueType="num">
                                       <p:cBhvr additive="base">
-                                        <p:cTn id="12" dur="500" fill="hold"/>
+                                        <p:cTn id="17" dur="500" fill="hold"/>
                                         <p:tgtEl>
                                           <p:spTgt spid="3"/>
                                         </p:tgtEl>
@@ -7366,50 +7419,6 @@
                                         </p:tav>
                                       </p:tavLst>
                                     </p:anim>
-                                  </p:childTnLst>
-                                </p:cTn>
-                              </p:par>
-                            </p:childTnLst>
-                          </p:cTn>
-                        </p:par>
-                      </p:childTnLst>
-                    </p:cTn>
-                  </p:par>
-                  <p:par>
-                    <p:cTn id="13" fill="hold">
-                      <p:stCondLst>
-                        <p:cond delay="indefinite"/>
-                      </p:stCondLst>
-                      <p:childTnLst>
-                        <p:par>
-                          <p:cTn id="14" fill="hold">
-                            <p:stCondLst>
-                              <p:cond delay="0"/>
-                            </p:stCondLst>
-                            <p:childTnLst>
-                              <p:par>
-                                <p:cTn id="15" presetID="26" presetClass="emph" presetSubtype="0" fill="hold" nodeType="clickEffect">
-                                  <p:stCondLst>
-                                    <p:cond delay="0"/>
-                                  </p:stCondLst>
-                                  <p:childTnLst>
-                                    <p:animEffect transition="out" filter="fade">
-                                      <p:cBhvr>
-                                        <p:cTn id="16" dur="500" tmFilter="0, 0; .2, .5; .8, .5; 1, 0"/>
-                                        <p:tgtEl>
-                                          <p:spTgt spid="4"/>
-                                        </p:tgtEl>
-                                      </p:cBhvr>
-                                    </p:animEffect>
-                                    <p:animScale>
-                                      <p:cBhvr>
-                                        <p:cTn id="17" dur="250" autoRev="1" fill="hold"/>
-                                        <p:tgtEl>
-                                          <p:spTgt spid="4"/>
-                                        </p:tgtEl>
-                                      </p:cBhvr>
-                                      <p:by x="105000" y="105000"/>
-                                    </p:animScale>
                                   </p:childTnLst>
                                 </p:cTn>
                               </p:par>
